--- a/presentations/lightning_talk_nope.pptx
+++ b/presentations/lightning_talk_nope.pptx
@@ -5,49 +5,52 @@
     <p:sldMasterId id="2147483648" r:id="rId1"/>
   </p:sldMasterIdLst>
   <p:notesMasterIdLst>
-    <p:notesMasterId r:id="rId42"/>
+    <p:notesMasterId r:id="rId45"/>
   </p:notesMasterIdLst>
   <p:sldIdLst>
     <p:sldId id="256" r:id="rId2"/>
-    <p:sldId id="259" r:id="rId3"/>
-    <p:sldId id="258" r:id="rId4"/>
-    <p:sldId id="264" r:id="rId5"/>
-    <p:sldId id="266" r:id="rId6"/>
-    <p:sldId id="267" r:id="rId7"/>
-    <p:sldId id="268" r:id="rId8"/>
-    <p:sldId id="269" r:id="rId9"/>
-    <p:sldId id="270" r:id="rId10"/>
-    <p:sldId id="271" r:id="rId11"/>
-    <p:sldId id="272" r:id="rId12"/>
-    <p:sldId id="273" r:id="rId13"/>
-    <p:sldId id="274" r:id="rId14"/>
-    <p:sldId id="275" r:id="rId15"/>
-    <p:sldId id="276" r:id="rId16"/>
-    <p:sldId id="278" r:id="rId17"/>
-    <p:sldId id="279" r:id="rId18"/>
-    <p:sldId id="281" r:id="rId19"/>
-    <p:sldId id="282" r:id="rId20"/>
-    <p:sldId id="284" r:id="rId21"/>
-    <p:sldId id="283" r:id="rId22"/>
-    <p:sldId id="285" r:id="rId23"/>
-    <p:sldId id="286" r:id="rId24"/>
-    <p:sldId id="287" r:id="rId25"/>
-    <p:sldId id="288" r:id="rId26"/>
-    <p:sldId id="289" r:id="rId27"/>
-    <p:sldId id="277" r:id="rId28"/>
-    <p:sldId id="280" r:id="rId29"/>
-    <p:sldId id="290" r:id="rId30"/>
-    <p:sldId id="291" r:id="rId31"/>
-    <p:sldId id="292" r:id="rId32"/>
-    <p:sldId id="293" r:id="rId33"/>
-    <p:sldId id="294" r:id="rId34"/>
-    <p:sldId id="295" r:id="rId35"/>
-    <p:sldId id="296" r:id="rId36"/>
-    <p:sldId id="297" r:id="rId37"/>
-    <p:sldId id="301" r:id="rId38"/>
-    <p:sldId id="298" r:id="rId39"/>
-    <p:sldId id="299" r:id="rId40"/>
-    <p:sldId id="300" r:id="rId41"/>
+    <p:sldId id="303" r:id="rId3"/>
+    <p:sldId id="304" r:id="rId4"/>
+    <p:sldId id="259" r:id="rId5"/>
+    <p:sldId id="258" r:id="rId6"/>
+    <p:sldId id="264" r:id="rId7"/>
+    <p:sldId id="266" r:id="rId8"/>
+    <p:sldId id="267" r:id="rId9"/>
+    <p:sldId id="268" r:id="rId10"/>
+    <p:sldId id="269" r:id="rId11"/>
+    <p:sldId id="270" r:id="rId12"/>
+    <p:sldId id="271" r:id="rId13"/>
+    <p:sldId id="272" r:id="rId14"/>
+    <p:sldId id="273" r:id="rId15"/>
+    <p:sldId id="274" r:id="rId16"/>
+    <p:sldId id="275" r:id="rId17"/>
+    <p:sldId id="276" r:id="rId18"/>
+    <p:sldId id="278" r:id="rId19"/>
+    <p:sldId id="279" r:id="rId20"/>
+    <p:sldId id="281" r:id="rId21"/>
+    <p:sldId id="282" r:id="rId22"/>
+    <p:sldId id="284" r:id="rId23"/>
+    <p:sldId id="283" r:id="rId24"/>
+    <p:sldId id="285" r:id="rId25"/>
+    <p:sldId id="286" r:id="rId26"/>
+    <p:sldId id="287" r:id="rId27"/>
+    <p:sldId id="288" r:id="rId28"/>
+    <p:sldId id="289" r:id="rId29"/>
+    <p:sldId id="277" r:id="rId30"/>
+    <p:sldId id="280" r:id="rId31"/>
+    <p:sldId id="290" r:id="rId32"/>
+    <p:sldId id="291" r:id="rId33"/>
+    <p:sldId id="292" r:id="rId34"/>
+    <p:sldId id="293" r:id="rId35"/>
+    <p:sldId id="294" r:id="rId36"/>
+    <p:sldId id="302" r:id="rId37"/>
+    <p:sldId id="295" r:id="rId38"/>
+    <p:sldId id="296" r:id="rId39"/>
+    <p:sldId id="297" r:id="rId40"/>
+    <p:sldId id="301" r:id="rId41"/>
+    <p:sldId id="298" r:id="rId42"/>
+    <p:sldId id="299" r:id="rId43"/>
+    <p:sldId id="300" r:id="rId44"/>
   </p:sldIdLst>
   <p:sldSz cx="9144000" cy="6858000" type="screen4x3"/>
   <p:notesSz cx="6858000" cy="9144000"/>
@@ -231,7 +234,7 @@
           <a:p>
             <a:fld id="{997A8BA6-6A96-0C41-9E1B-5C2903B1E17F}" type="datetimeFigureOut">
               <a:rPr lang="en-US" smtClean="0"/>
-              <a:t>6/30/14</a:t>
+              <a:t>7/8/14</a:t>
             </a:fld>
             <a:endParaRPr lang="en-US"/>
           </a:p>
@@ -564,7 +567,7 @@
           <a:p>
             <a:fld id="{3F56BF05-A8C5-9E46-87D3-E001D44C40B9}" type="slidenum">
               <a:rPr lang="en-US" smtClean="0"/>
-              <a:t>16</a:t>
+              <a:t>18</a:t>
             </a:fld>
             <a:endParaRPr lang="en-US"/>
           </a:p>
@@ -656,7 +659,7 @@
           <a:p>
             <a:fld id="{3F56BF05-A8C5-9E46-87D3-E001D44C40B9}" type="slidenum">
               <a:rPr lang="en-US" smtClean="0"/>
-              <a:t>17</a:t>
+              <a:t>19</a:t>
             </a:fld>
             <a:endParaRPr lang="en-US"/>
           </a:p>
@@ -748,7 +751,7 @@
           <a:p>
             <a:fld id="{3F56BF05-A8C5-9E46-87D3-E001D44C40B9}" type="slidenum">
               <a:rPr lang="en-US" smtClean="0"/>
-              <a:t>27</a:t>
+              <a:t>29</a:t>
             </a:fld>
             <a:endParaRPr lang="en-US"/>
           </a:p>
@@ -844,7 +847,7 @@
           <a:p>
             <a:fld id="{3F56BF05-A8C5-9E46-87D3-E001D44C40B9}" type="slidenum">
               <a:rPr lang="en-US" smtClean="0"/>
-              <a:t>34</a:t>
+              <a:t>37</a:t>
             </a:fld>
             <a:endParaRPr lang="en-US"/>
           </a:p>
@@ -962,7 +965,7 @@
           <a:p>
             <a:fld id="{3F56BF05-A8C5-9E46-87D3-E001D44C40B9}" type="slidenum">
               <a:rPr lang="en-US" smtClean="0"/>
-              <a:t>38</a:t>
+              <a:t>41</a:t>
             </a:fld>
             <a:endParaRPr lang="en-US"/>
           </a:p>
@@ -1054,7 +1057,7 @@
           <a:p>
             <a:fld id="{3F56BF05-A8C5-9E46-87D3-E001D44C40B9}" type="slidenum">
               <a:rPr lang="en-US" smtClean="0"/>
-              <a:t>39</a:t>
+              <a:t>42</a:t>
             </a:fld>
             <a:endParaRPr lang="en-US"/>
           </a:p>
@@ -1163,7 +1166,7 @@
           <a:p>
             <a:fld id="{3F56BF05-A8C5-9E46-87D3-E001D44C40B9}" type="slidenum">
               <a:rPr lang="en-US" smtClean="0"/>
-              <a:t>40</a:t>
+              <a:t>43</a:t>
             </a:fld>
             <a:endParaRPr lang="en-US"/>
           </a:p>
@@ -7792,7 +7795,7 @@
         <p:spPr>
           <a:xfrm>
             <a:off x="3654624" y="2088753"/>
-            <a:ext cx="3387291" cy="1956280"/>
+            <a:ext cx="1697685" cy="1956280"/>
           </a:xfrm>
         </p:spPr>
         <p:txBody>
@@ -7803,7 +7806,7 @@
           <a:p>
             <a:r>
               <a:rPr lang="en-US" sz="9600" dirty="0" smtClean="0"/>
-              <a:t>Right</a:t>
+              <a:t>!</a:t>
             </a:r>
             <a:endParaRPr lang="en-US" sz="9600" dirty="0"/>
           </a:p>
@@ -7855,7 +7858,7 @@
     </p:spTree>
     <p:extLst>
       <p:ext uri="{BB962C8B-B14F-4D97-AF65-F5344CB8AC3E}">
-        <p14:creationId xmlns:p14="http://schemas.microsoft.com/office/powerpoint/2010/main" val="1348177927"/>
+        <p14:creationId xmlns:p14="http://schemas.microsoft.com/office/powerpoint/2010/main" val="2703211779"/>
       </p:ext>
     </p:extLst>
   </p:cSld>
@@ -7920,20 +7923,16 @@
         </p:nvSpPr>
         <p:spPr>
           <a:xfrm>
-            <a:off x="2101094" y="1975351"/>
-            <a:ext cx="4475896" cy="1956280"/>
+            <a:off x="3654624" y="2088753"/>
+            <a:ext cx="1697685" cy="1956280"/>
           </a:xfrm>
         </p:spPr>
         <p:txBody>
           <a:bodyPr>
-            <a:normAutofit fontScale="90000"/>
+            <a:normAutofit/>
           </a:bodyPr>
           <a:lstStyle/>
           <a:p>
-            <a:r>
-              <a:rPr lang="en-US" sz="9600" dirty="0" err="1" smtClean="0"/>
-              <a:t>Waaaa</a:t>
-            </a:r>
             <a:r>
               <a:rPr lang="en-US" sz="9600" dirty="0" smtClean="0"/>
               <a:t>?</a:t>
@@ -7988,7 +7987,7 @@
     </p:spTree>
     <p:extLst>
       <p:ext uri="{BB962C8B-B14F-4D97-AF65-F5344CB8AC3E}">
-        <p14:creationId xmlns:p14="http://schemas.microsoft.com/office/powerpoint/2010/main" val="1506255533"/>
+        <p14:creationId xmlns:p14="http://schemas.microsoft.com/office/powerpoint/2010/main" val="384393161"/>
       </p:ext>
     </p:extLst>
   </p:cSld>
@@ -8051,16 +8050,23 @@
             <p:ph type="title"/>
           </p:nvPr>
         </p:nvSpPr>
-        <p:spPr/>
-        <p:txBody>
-          <a:bodyPr/>
-          <a:lstStyle/>
-          <a:p>
-            <a:r>
-              <a:rPr lang="en-US" dirty="0" smtClean="0"/>
-              <a:t>“You have this code right and it stops working right and you’re like WTF right”</a:t>
-            </a:r>
-            <a:endParaRPr lang="en-US" dirty="0"/>
+        <p:spPr>
+          <a:xfrm>
+            <a:off x="3654624" y="2088753"/>
+            <a:ext cx="3387291" cy="1956280"/>
+          </a:xfrm>
+        </p:spPr>
+        <p:txBody>
+          <a:bodyPr>
+            <a:normAutofit/>
+          </a:bodyPr>
+          <a:lstStyle/>
+          <a:p>
+            <a:r>
+              <a:rPr lang="en-US" sz="9600" dirty="0" smtClean="0"/>
+              <a:t>Right</a:t>
+            </a:r>
+            <a:endParaRPr lang="en-US" sz="9600" dirty="0"/>
           </a:p>
         </p:txBody>
       </p:sp>
@@ -8110,7 +8116,7 @@
     </p:spTree>
     <p:extLst>
       <p:ext uri="{BB962C8B-B14F-4D97-AF65-F5344CB8AC3E}">
-        <p14:creationId xmlns:p14="http://schemas.microsoft.com/office/powerpoint/2010/main" val="707191780"/>
+        <p14:creationId xmlns:p14="http://schemas.microsoft.com/office/powerpoint/2010/main" val="1348177927"/>
       </p:ext>
     </p:extLst>
   </p:cSld>
@@ -8173,16 +8179,27 @@
             <p:ph type="title"/>
           </p:nvPr>
         </p:nvSpPr>
-        <p:spPr/>
-        <p:txBody>
-          <a:bodyPr/>
-          <a:lstStyle/>
-          <a:p>
-            <a:r>
-              <a:rPr lang="en-US" dirty="0" smtClean="0"/>
-              <a:t>“You have this code, and it stops working. WTF”</a:t>
-            </a:r>
-            <a:endParaRPr lang="en-US" dirty="0"/>
+        <p:spPr>
+          <a:xfrm>
+            <a:off x="2101094" y="1975351"/>
+            <a:ext cx="4475896" cy="1956280"/>
+          </a:xfrm>
+        </p:spPr>
+        <p:txBody>
+          <a:bodyPr>
+            <a:normAutofit fontScale="90000"/>
+          </a:bodyPr>
+          <a:lstStyle/>
+          <a:p>
+            <a:r>
+              <a:rPr lang="en-US" sz="9600" dirty="0" err="1" smtClean="0"/>
+              <a:t>Waaaa</a:t>
+            </a:r>
+            <a:r>
+              <a:rPr lang="en-US" sz="9600" dirty="0" smtClean="0"/>
+              <a:t>?</a:t>
+            </a:r>
+            <a:endParaRPr lang="en-US" sz="9600" dirty="0"/>
           </a:p>
         </p:txBody>
       </p:sp>
@@ -8232,7 +8249,7 @@
     </p:spTree>
     <p:extLst>
       <p:ext uri="{BB962C8B-B14F-4D97-AF65-F5344CB8AC3E}">
-        <p14:creationId xmlns:p14="http://schemas.microsoft.com/office/powerpoint/2010/main" val="1566087783"/>
+        <p14:creationId xmlns:p14="http://schemas.microsoft.com/office/powerpoint/2010/main" val="1506255533"/>
       </p:ext>
     </p:extLst>
   </p:cSld>
@@ -8302,7 +8319,7 @@
           <a:p>
             <a:r>
               <a:rPr lang="en-US" dirty="0" smtClean="0"/>
-              <a:t>“My code stopped working”</a:t>
+              <a:t>“You have this code right and it stops working right and you’re like WTF right”</a:t>
             </a:r>
             <a:endParaRPr lang="en-US" dirty="0"/>
           </a:p>
@@ -8354,7 +8371,7 @@
     </p:spTree>
     <p:extLst>
       <p:ext uri="{BB962C8B-B14F-4D97-AF65-F5344CB8AC3E}">
-        <p14:creationId xmlns:p14="http://schemas.microsoft.com/office/powerpoint/2010/main" val="100849761"/>
+        <p14:creationId xmlns:p14="http://schemas.microsoft.com/office/powerpoint/2010/main" val="707191780"/>
       </p:ext>
     </p:extLst>
   </p:cSld>
@@ -8424,7 +8441,7 @@
           <a:p>
             <a:r>
               <a:rPr lang="en-US" dirty="0" smtClean="0"/>
-              <a:t>“I am a coder”</a:t>
+              <a:t>“You have this code, and it stops working. WTF”</a:t>
             </a:r>
             <a:endParaRPr lang="en-US" dirty="0"/>
           </a:p>
@@ -8476,7 +8493,7 @@
     </p:spTree>
     <p:extLst>
       <p:ext uri="{BB962C8B-B14F-4D97-AF65-F5344CB8AC3E}">
-        <p14:creationId xmlns:p14="http://schemas.microsoft.com/office/powerpoint/2010/main" val="801023275"/>
+        <p14:creationId xmlns:p14="http://schemas.microsoft.com/office/powerpoint/2010/main" val="1566087783"/>
       </p:ext>
     </p:extLst>
   </p:cSld>
@@ -8546,7 +8563,7 @@
           <a:p>
             <a:r>
               <a:rPr lang="en-US" dirty="0" smtClean="0"/>
-              <a:t>No Worries</a:t>
+              <a:t>“My code stopped working”</a:t>
             </a:r>
             <a:endParaRPr lang="en-US" dirty="0"/>
           </a:p>
@@ -8598,7 +8615,7 @@
     </p:spTree>
     <p:extLst>
       <p:ext uri="{BB962C8B-B14F-4D97-AF65-F5344CB8AC3E}">
-        <p14:creationId xmlns:p14="http://schemas.microsoft.com/office/powerpoint/2010/main" val="4267227586"/>
+        <p14:creationId xmlns:p14="http://schemas.microsoft.com/office/powerpoint/2010/main" val="100849761"/>
       </p:ext>
     </p:extLst>
   </p:cSld>
@@ -8667,12 +8684,8 @@
           <a:lstStyle/>
           <a:p>
             <a:r>
-              <a:rPr lang="en-US" strike="sngStrike" dirty="0" smtClean="0"/>
-              <a:t>No Worries </a:t>
-            </a:r>
-            <a:r>
               <a:rPr lang="en-US" dirty="0" smtClean="0"/>
-              <a:t>You’re Welcome</a:t>
+              <a:t>“I am a coder”</a:t>
             </a:r>
             <a:endParaRPr lang="en-US" dirty="0"/>
           </a:p>
@@ -8724,7 +8737,7 @@
     </p:spTree>
     <p:extLst>
       <p:ext uri="{BB962C8B-B14F-4D97-AF65-F5344CB8AC3E}">
-        <p14:creationId xmlns:p14="http://schemas.microsoft.com/office/powerpoint/2010/main" val="2838951577"/>
+        <p14:creationId xmlns:p14="http://schemas.microsoft.com/office/powerpoint/2010/main" val="801023275"/>
       </p:ext>
     </p:extLst>
   </p:cSld>
@@ -8793,8 +8806,8 @@
           <a:lstStyle/>
           <a:p>
             <a:r>
-              <a:rPr lang="en-US" dirty="0" err="1" smtClean="0"/>
-              <a:t>Nouning</a:t>
+              <a:rPr lang="en-US" dirty="0" smtClean="0"/>
+              <a:t>No Worries</a:t>
             </a:r>
             <a:endParaRPr lang="en-US" dirty="0"/>
           </a:p>
@@ -8846,13 +8859,20 @@
     </p:spTree>
     <p:extLst>
       <p:ext uri="{BB962C8B-B14F-4D97-AF65-F5344CB8AC3E}">
-        <p14:creationId xmlns:p14="http://schemas.microsoft.com/office/powerpoint/2010/main" val="1279167291"/>
+        <p14:creationId xmlns:p14="http://schemas.microsoft.com/office/powerpoint/2010/main" val="4267227586"/>
       </p:ext>
     </p:extLst>
   </p:cSld>
   <p:clrMapOvr>
     <a:masterClrMapping/>
   </p:clrMapOvr>
+  <p:timing>
+    <p:tnLst>
+      <p:par>
+        <p:cTn xmlns:p14="http://schemas.microsoft.com/office/powerpoint/2010/main" id="1" dur="indefinite" restart="never" nodeType="tmRoot"/>
+      </p:par>
+    </p:tnLst>
+  </p:timing>
 </p:sld>
 </file>
 
@@ -8904,20 +8924,18 @@
         </p:nvSpPr>
         <p:spPr/>
         <p:txBody>
-          <a:bodyPr>
-            <a:normAutofit/>
-          </a:bodyPr>
-          <a:lstStyle/>
-          <a:p>
-            <a:r>
-              <a:rPr lang="en-US" sz="3600" dirty="0" smtClean="0"/>
-              <a:t>Ask (v): to request, inquire, solicit, </a:t>
-            </a:r>
-            <a:r>
-              <a:rPr lang="en-US" sz="3600" dirty="0" err="1" smtClean="0"/>
-              <a:t>etc</a:t>
-            </a:r>
-            <a:endParaRPr lang="en-US" sz="3600" dirty="0"/>
+          <a:bodyPr/>
+          <a:lstStyle/>
+          <a:p>
+            <a:r>
+              <a:rPr lang="en-US" strike="sngStrike" dirty="0" smtClean="0"/>
+              <a:t>No Worries </a:t>
+            </a:r>
+            <a:r>
+              <a:rPr lang="en-US" dirty="0" smtClean="0"/>
+              <a:t>You’re Welcome</a:t>
+            </a:r>
+            <a:endParaRPr lang="en-US" dirty="0"/>
           </a:p>
         </p:txBody>
       </p:sp>
@@ -8967,13 +8985,20 @@
     </p:spTree>
     <p:extLst>
       <p:ext uri="{BB962C8B-B14F-4D97-AF65-F5344CB8AC3E}">
-        <p14:creationId xmlns:p14="http://schemas.microsoft.com/office/powerpoint/2010/main" val="272848681"/>
+        <p14:creationId xmlns:p14="http://schemas.microsoft.com/office/powerpoint/2010/main" val="2838951577"/>
       </p:ext>
     </p:extLst>
   </p:cSld>
   <p:clrMapOvr>
     <a:masterClrMapping/>
   </p:clrMapOvr>
+  <p:timing>
+    <p:tnLst>
+      <p:par>
+        <p:cTn xmlns:p14="http://schemas.microsoft.com/office/powerpoint/2010/main" id="1" dur="indefinite" restart="never" nodeType="tmRoot"/>
+      </p:par>
+    </p:tnLst>
+  </p:timing>
 </p:sld>
 </file>
 
@@ -9025,16 +9050,33 @@
         </p:nvSpPr>
         <p:spPr/>
         <p:txBody>
-          <a:bodyPr>
-            <a:normAutofit fontScale="90000"/>
-          </a:bodyPr>
+          <a:bodyPr/>
           <a:lstStyle/>
           <a:p>
             <a:r>
               <a:rPr lang="en-US" dirty="0" smtClean="0"/>
-              <a:t>Mr. Esher holds court on things you should stop saying and writing such that, if you apply these lessons, you will be a better communicator, speaker, writer, and human</a:t>
+              <a:t>Stuff that annoys me</a:t>
             </a:r>
             <a:endParaRPr lang="en-US" dirty="0"/>
+          </a:p>
+        </p:txBody>
+      </p:sp>
+      <p:sp>
+        <p:nvSpPr>
+          <p:cNvPr id="4" name="Text Placeholder 3"/>
+          <p:cNvSpPr>
+            <a:spLocks noGrp="1"/>
+          </p:cNvSpPr>
+          <p:nvPr>
+            <p:ph type="body" sz="quarter" idx="13"/>
+          </p:nvPr>
+        </p:nvSpPr>
+        <p:spPr/>
+        <p:txBody>
+          <a:bodyPr/>
+          <a:lstStyle/>
+          <a:p>
+            <a:endParaRPr lang="en-US"/>
           </a:p>
         </p:txBody>
       </p:sp>
@@ -9065,20 +9107,13 @@
     </p:spTree>
     <p:extLst>
       <p:ext uri="{BB962C8B-B14F-4D97-AF65-F5344CB8AC3E}">
-        <p14:creationId xmlns:p14="http://schemas.microsoft.com/office/powerpoint/2010/main" val="2009624087"/>
+        <p14:creationId xmlns:p14="http://schemas.microsoft.com/office/powerpoint/2010/main" val="3449603350"/>
       </p:ext>
     </p:extLst>
   </p:cSld>
   <p:clrMapOvr>
     <a:masterClrMapping/>
   </p:clrMapOvr>
-  <p:timing>
-    <p:tnLst>
-      <p:par>
-        <p:cTn xmlns:p14="http://schemas.microsoft.com/office/powerpoint/2010/main" id="1" dur="indefinite" restart="never" nodeType="tmRoot"/>
-      </p:par>
-    </p:tnLst>
-  </p:timing>
 </p:sld>
 </file>
 
@@ -9134,8 +9169,8 @@
           <a:lstStyle/>
           <a:p>
             <a:r>
-              <a:rPr lang="en-US" dirty="0" smtClean="0"/>
-              <a:t>So what’s the ask here?</a:t>
+              <a:rPr lang="en-US" dirty="0" err="1" smtClean="0"/>
+              <a:t>Nouning</a:t>
             </a:r>
             <a:endParaRPr lang="en-US" dirty="0"/>
           </a:p>
@@ -9187,7 +9222,7 @@
     </p:spTree>
     <p:extLst>
       <p:ext uri="{BB962C8B-B14F-4D97-AF65-F5344CB8AC3E}">
-        <p14:creationId xmlns:p14="http://schemas.microsoft.com/office/powerpoint/2010/main" val="1598348895"/>
+        <p14:creationId xmlns:p14="http://schemas.microsoft.com/office/powerpoint/2010/main" val="1279167291"/>
       </p:ext>
     </p:extLst>
   </p:cSld>
@@ -9245,22 +9280,20 @@
         </p:nvSpPr>
         <p:spPr/>
         <p:txBody>
-          <a:bodyPr/>
-          <a:lstStyle/>
-          <a:p>
-            <a:r>
-              <a:rPr lang="en-US" dirty="0" smtClean="0"/>
-              <a:t>“The ask is for you to stop </a:t>
-            </a:r>
-            <a:r>
-              <a:rPr lang="en-US" dirty="0" err="1" smtClean="0"/>
-              <a:t>nouning</a:t>
-            </a:r>
-            <a:r>
-              <a:rPr lang="en-US" dirty="0" smtClean="0"/>
-              <a:t> ‘ask’”</a:t>
-            </a:r>
-            <a:endParaRPr lang="en-US" dirty="0"/>
+          <a:bodyPr>
+            <a:normAutofit/>
+          </a:bodyPr>
+          <a:lstStyle/>
+          <a:p>
+            <a:r>
+              <a:rPr lang="en-US" sz="3600" dirty="0" smtClean="0"/>
+              <a:t>Ask (v): to request, inquire, solicit, </a:t>
+            </a:r>
+            <a:r>
+              <a:rPr lang="en-US" sz="3600" dirty="0" err="1" smtClean="0"/>
+              <a:t>etc</a:t>
+            </a:r>
+            <a:endParaRPr lang="en-US" sz="3600" dirty="0"/>
           </a:p>
         </p:txBody>
       </p:sp>
@@ -9310,7 +9343,7 @@
     </p:spTree>
     <p:extLst>
       <p:ext uri="{BB962C8B-B14F-4D97-AF65-F5344CB8AC3E}">
-        <p14:creationId xmlns:p14="http://schemas.microsoft.com/office/powerpoint/2010/main" val="2163326717"/>
+        <p14:creationId xmlns:p14="http://schemas.microsoft.com/office/powerpoint/2010/main" val="272848681"/>
       </p:ext>
     </p:extLst>
   </p:cSld>
@@ -9372,12 +9405,8 @@
           <a:lstStyle/>
           <a:p>
             <a:r>
-              <a:rPr lang="en-US" strike="sngStrike" dirty="0" smtClean="0"/>
-              <a:t>Ask</a:t>
-            </a:r>
-            <a:r>
               <a:rPr lang="en-US" dirty="0" smtClean="0"/>
-              <a:t> Request</a:t>
+              <a:t>So what’s the ask here?</a:t>
             </a:r>
             <a:endParaRPr lang="en-US" dirty="0"/>
           </a:p>
@@ -9429,7 +9458,7 @@
     </p:spTree>
     <p:extLst>
       <p:ext uri="{BB962C8B-B14F-4D97-AF65-F5344CB8AC3E}">
-        <p14:creationId xmlns:p14="http://schemas.microsoft.com/office/powerpoint/2010/main" val="497035683"/>
+        <p14:creationId xmlns:p14="http://schemas.microsoft.com/office/powerpoint/2010/main" val="1598348895"/>
       </p:ext>
     </p:extLst>
   </p:cSld>
@@ -9492,7 +9521,15 @@
           <a:p>
             <a:r>
               <a:rPr lang="en-US" dirty="0" smtClean="0"/>
-              <a:t>How heavy a lift is that ask?</a:t>
+              <a:t>“The ask is for you to stop </a:t>
+            </a:r>
+            <a:r>
+              <a:rPr lang="en-US" dirty="0" err="1" smtClean="0"/>
+              <a:t>nouning</a:t>
+            </a:r>
+            <a:r>
+              <a:rPr lang="en-US" dirty="0" smtClean="0"/>
+              <a:t> ‘ask’”</a:t>
             </a:r>
             <a:endParaRPr lang="en-US" dirty="0"/>
           </a:p>
@@ -9544,7 +9581,7 @@
     </p:spTree>
     <p:extLst>
       <p:ext uri="{BB962C8B-B14F-4D97-AF65-F5344CB8AC3E}">
-        <p14:creationId xmlns:p14="http://schemas.microsoft.com/office/powerpoint/2010/main" val="510884327"/>
+        <p14:creationId xmlns:p14="http://schemas.microsoft.com/office/powerpoint/2010/main" val="2163326717"/>
       </p:ext>
     </p:extLst>
   </p:cSld>
@@ -9606,8 +9643,12 @@
           <a:lstStyle/>
           <a:p>
             <a:r>
+              <a:rPr lang="en-US" strike="sngStrike" dirty="0" smtClean="0"/>
+              <a:t>Ask</a:t>
+            </a:r>
+            <a:r>
               <a:rPr lang="en-US" dirty="0" smtClean="0"/>
-              <a:t>Lift (v): To move or bring upward</a:t>
+              <a:t> Request</a:t>
             </a:r>
             <a:endParaRPr lang="en-US" dirty="0"/>
           </a:p>
@@ -9659,7 +9700,7 @@
     </p:spTree>
     <p:extLst>
       <p:ext uri="{BB962C8B-B14F-4D97-AF65-F5344CB8AC3E}">
-        <p14:creationId xmlns:p14="http://schemas.microsoft.com/office/powerpoint/2010/main" val="3665300929"/>
+        <p14:creationId xmlns:p14="http://schemas.microsoft.com/office/powerpoint/2010/main" val="497035683"/>
       </p:ext>
     </p:extLst>
   </p:cSld>
@@ -9722,7 +9763,7 @@
           <a:p>
             <a:r>
               <a:rPr lang="en-US" dirty="0" smtClean="0"/>
-              <a:t>If it’s too heavy a lift to stop using ridiculous jargon, please consult a doctor</a:t>
+              <a:t>How heavy a lift is that ask?</a:t>
             </a:r>
             <a:endParaRPr lang="en-US" dirty="0"/>
           </a:p>
@@ -9774,7 +9815,7 @@
     </p:spTree>
     <p:extLst>
       <p:ext uri="{BB962C8B-B14F-4D97-AF65-F5344CB8AC3E}">
-        <p14:creationId xmlns:p14="http://schemas.microsoft.com/office/powerpoint/2010/main" val="1406088925"/>
+        <p14:creationId xmlns:p14="http://schemas.microsoft.com/office/powerpoint/2010/main" val="510884327"/>
       </p:ext>
     </p:extLst>
   </p:cSld>
@@ -9836,12 +9877,8 @@
           <a:lstStyle/>
           <a:p>
             <a:r>
-              <a:rPr lang="en-US" strike="sngStrike" dirty="0" smtClean="0"/>
-              <a:t>Lift</a:t>
-            </a:r>
-            <a:r>
               <a:rPr lang="en-US" dirty="0" smtClean="0"/>
-              <a:t> Effort</a:t>
+              <a:t>Lift (v): To move or bring upward</a:t>
             </a:r>
             <a:endParaRPr lang="en-US" dirty="0"/>
           </a:p>
@@ -9893,7 +9930,7 @@
     </p:spTree>
     <p:extLst>
       <p:ext uri="{BB962C8B-B14F-4D97-AF65-F5344CB8AC3E}">
-        <p14:creationId xmlns:p14="http://schemas.microsoft.com/office/powerpoint/2010/main" val="368735599"/>
+        <p14:creationId xmlns:p14="http://schemas.microsoft.com/office/powerpoint/2010/main" val="3665300929"/>
       </p:ext>
     </p:extLst>
   </p:cSld>
@@ -9955,8 +9992,8 @@
           <a:lstStyle/>
           <a:p>
             <a:r>
-              <a:rPr lang="en-US" dirty="0" err="1" smtClean="0"/>
-              <a:t>Subjectcide</a:t>
+              <a:rPr lang="en-US" dirty="0" smtClean="0"/>
+              <a:t>If it’s too heavy a lift to stop using ridiculous jargon, please consult a doctor</a:t>
             </a:r>
             <a:endParaRPr lang="en-US" dirty="0"/>
           </a:p>
@@ -10008,7 +10045,7 @@
     </p:spTree>
     <p:extLst>
       <p:ext uri="{BB962C8B-B14F-4D97-AF65-F5344CB8AC3E}">
-        <p14:creationId xmlns:p14="http://schemas.microsoft.com/office/powerpoint/2010/main" val="3393442107"/>
+        <p14:creationId xmlns:p14="http://schemas.microsoft.com/office/powerpoint/2010/main" val="1406088925"/>
       </p:ext>
     </p:extLst>
   </p:cSld>
@@ -10070,8 +10107,12 @@
           <a:lstStyle/>
           <a:p>
             <a:r>
+              <a:rPr lang="en-US" strike="sngStrike" dirty="0" smtClean="0"/>
+              <a:t>Lift</a:t>
+            </a:r>
+            <a:r>
               <a:rPr lang="en-US" dirty="0" smtClean="0"/>
-              <a:t>I like pudding</a:t>
+              <a:t> Effort</a:t>
             </a:r>
             <a:endParaRPr lang="en-US" dirty="0"/>
           </a:p>
@@ -10123,7 +10164,7 @@
     </p:spTree>
     <p:extLst>
       <p:ext uri="{BB962C8B-B14F-4D97-AF65-F5344CB8AC3E}">
-        <p14:creationId xmlns:p14="http://schemas.microsoft.com/office/powerpoint/2010/main" val="3249461352"/>
+        <p14:creationId xmlns:p14="http://schemas.microsoft.com/office/powerpoint/2010/main" val="368735599"/>
       </p:ext>
     </p:extLst>
   </p:cSld>
@@ -10185,8 +10226,8 @@
           <a:lstStyle/>
           <a:p>
             <a:r>
-              <a:rPr lang="en-US" dirty="0" smtClean="0"/>
-              <a:t>“I” is the subject</a:t>
+              <a:rPr lang="en-US" dirty="0" err="1" smtClean="0"/>
+              <a:t>Subjectcide</a:t>
             </a:r>
             <a:endParaRPr lang="en-US" dirty="0"/>
           </a:p>
@@ -10238,7 +10279,7 @@
     </p:spTree>
     <p:extLst>
       <p:ext uri="{BB962C8B-B14F-4D97-AF65-F5344CB8AC3E}">
-        <p14:creationId xmlns:p14="http://schemas.microsoft.com/office/powerpoint/2010/main" val="3104496058"/>
+        <p14:creationId xmlns:p14="http://schemas.microsoft.com/office/powerpoint/2010/main" val="3393442107"/>
       </p:ext>
     </p:extLst>
   </p:cSld>
@@ -10300,10 +10341,10 @@
           <a:lstStyle/>
           <a:p>
             <a:r>
-              <a:rPr lang="en-US" dirty="0" smtClean="0"/>
-              <a:t>Let’s have fun!</a:t>
-            </a:r>
-            <a:endParaRPr lang="en-US" dirty="0"/>
+              <a:rPr lang="en-US" strike="sngStrike" dirty="0" smtClean="0"/>
+              <a:t>Stuff that annoys me</a:t>
+            </a:r>
+            <a:endParaRPr lang="en-US" strike="sngStrike" dirty="0"/>
           </a:p>
         </p:txBody>
       </p:sp>
@@ -10353,20 +10394,13 @@
     </p:spTree>
     <p:extLst>
       <p:ext uri="{BB962C8B-B14F-4D97-AF65-F5344CB8AC3E}">
-        <p14:creationId xmlns:p14="http://schemas.microsoft.com/office/powerpoint/2010/main" val="1976715010"/>
+        <p14:creationId xmlns:p14="http://schemas.microsoft.com/office/powerpoint/2010/main" val="234747611"/>
       </p:ext>
     </p:extLst>
   </p:cSld>
   <p:clrMapOvr>
     <a:masterClrMapping/>
   </p:clrMapOvr>
-  <p:timing>
-    <p:tnLst>
-      <p:par>
-        <p:cTn xmlns:p14="http://schemas.microsoft.com/office/powerpoint/2010/main" id="1" dur="indefinite" restart="never" nodeType="tmRoot"/>
-      </p:par>
-    </p:tnLst>
-  </p:timing>
 </p:sld>
 </file>
 
@@ -10423,7 +10457,7 @@
           <a:p>
             <a:r>
               <a:rPr lang="en-US" dirty="0" smtClean="0"/>
-              <a:t>“like pudding” is the predicate</a:t>
+              <a:t>I like pudding</a:t>
             </a:r>
             <a:endParaRPr lang="en-US" dirty="0"/>
           </a:p>
@@ -10475,7 +10509,7 @@
     </p:spTree>
     <p:extLst>
       <p:ext uri="{BB962C8B-B14F-4D97-AF65-F5344CB8AC3E}">
-        <p14:creationId xmlns:p14="http://schemas.microsoft.com/office/powerpoint/2010/main" val="1636888145"/>
+        <p14:creationId xmlns:p14="http://schemas.microsoft.com/office/powerpoint/2010/main" val="3249461352"/>
       </p:ext>
     </p:extLst>
   </p:cSld>
@@ -10538,7 +10572,7 @@
           <a:p>
             <a:r>
               <a:rPr lang="en-US" dirty="0" smtClean="0"/>
-              <a:t>“I will call you later”</a:t>
+              <a:t>“I” is the subject</a:t>
             </a:r>
             <a:endParaRPr lang="en-US" dirty="0"/>
           </a:p>
@@ -10590,7 +10624,7 @@
     </p:spTree>
     <p:extLst>
       <p:ext uri="{BB962C8B-B14F-4D97-AF65-F5344CB8AC3E}">
-        <p14:creationId xmlns:p14="http://schemas.microsoft.com/office/powerpoint/2010/main" val="1590449004"/>
+        <p14:creationId xmlns:p14="http://schemas.microsoft.com/office/powerpoint/2010/main" val="3104496058"/>
       </p:ext>
     </p:extLst>
   </p:cSld>
@@ -10653,15 +10687,7 @@
           <a:p>
             <a:r>
               <a:rPr lang="en-US" dirty="0" smtClean="0"/>
-              <a:t>“</a:t>
-            </a:r>
-            <a:r>
-              <a:rPr lang="en-US" strike="sngStrike" dirty="0" smtClean="0"/>
-              <a:t>I  </a:t>
-            </a:r>
-            <a:r>
-              <a:rPr lang="en-US" dirty="0" smtClean="0"/>
-              <a:t>Will call you later”</a:t>
+              <a:t>“like pudding” is the predicate</a:t>
             </a:r>
             <a:endParaRPr lang="en-US" dirty="0"/>
           </a:p>
@@ -10713,7 +10739,7 @@
     </p:spTree>
     <p:extLst>
       <p:ext uri="{BB962C8B-B14F-4D97-AF65-F5344CB8AC3E}">
-        <p14:creationId xmlns:p14="http://schemas.microsoft.com/office/powerpoint/2010/main" val="1389619720"/>
+        <p14:creationId xmlns:p14="http://schemas.microsoft.com/office/powerpoint/2010/main" val="1636888145"/>
       </p:ext>
     </p:extLst>
   </p:cSld>
@@ -10776,7 +10802,7 @@
           <a:p>
             <a:r>
               <a:rPr lang="en-US" dirty="0" smtClean="0"/>
-              <a:t>“Will call you later”</a:t>
+              <a:t>“I will call you later”</a:t>
             </a:r>
             <a:endParaRPr lang="en-US" dirty="0"/>
           </a:p>
@@ -10828,7 +10854,7 @@
     </p:spTree>
     <p:extLst>
       <p:ext uri="{BB962C8B-B14F-4D97-AF65-F5344CB8AC3E}">
-        <p14:creationId xmlns:p14="http://schemas.microsoft.com/office/powerpoint/2010/main" val="1813915070"/>
+        <p14:creationId xmlns:p14="http://schemas.microsoft.com/office/powerpoint/2010/main" val="1590449004"/>
       </p:ext>
     </p:extLst>
   </p:cSld>
@@ -10891,7 +10917,15 @@
           <a:p>
             <a:r>
               <a:rPr lang="en-US" dirty="0" smtClean="0"/>
-              <a:t>This is not the Great Subject Famine of the 20-teens!</a:t>
+              <a:t>“</a:t>
+            </a:r>
+            <a:r>
+              <a:rPr lang="en-US" strike="sngStrike" dirty="0" smtClean="0"/>
+              <a:t>I  </a:t>
+            </a:r>
+            <a:r>
+              <a:rPr lang="en-US" dirty="0" smtClean="0"/>
+              <a:t>Will call you later”</a:t>
             </a:r>
             <a:endParaRPr lang="en-US" dirty="0"/>
           </a:p>
@@ -10943,7 +10977,7 @@
     </p:spTree>
     <p:extLst>
       <p:ext uri="{BB962C8B-B14F-4D97-AF65-F5344CB8AC3E}">
-        <p14:creationId xmlns:p14="http://schemas.microsoft.com/office/powerpoint/2010/main" val="547599061"/>
+        <p14:creationId xmlns:p14="http://schemas.microsoft.com/office/powerpoint/2010/main" val="1389619720"/>
       </p:ext>
     </p:extLst>
   </p:cSld>
@@ -11006,7 +11040,7 @@
           <a:p>
             <a:r>
               <a:rPr lang="en-US" dirty="0" smtClean="0"/>
-              <a:t>“I feel like….”</a:t>
+              <a:t>“Will call you later”</a:t>
             </a:r>
             <a:endParaRPr lang="en-US" dirty="0"/>
           </a:p>
@@ -11050,6 +11084,351 @@
               <a:rPr lang="en-US" smtClean="0"/>
               <a:pPr/>
               <a:t>35</a:t>
+            </a:fld>
+            <a:endParaRPr lang="en-US" dirty="0"/>
+          </a:p>
+        </p:txBody>
+      </p:sp>
+    </p:spTree>
+    <p:extLst>
+      <p:ext uri="{BB962C8B-B14F-4D97-AF65-F5344CB8AC3E}">
+        <p14:creationId xmlns:p14="http://schemas.microsoft.com/office/powerpoint/2010/main" val="1813915070"/>
+      </p:ext>
+    </p:extLst>
+  </p:cSld>
+  <p:clrMapOvr>
+    <a:masterClrMapping/>
+  </p:clrMapOvr>
+</p:sld>
+</file>
+
+<file path=ppt/slides/slide36.xml><?xml version="1.0" encoding="utf-8"?>
+<p:sld xmlns:a="http://schemas.openxmlformats.org/drawingml/2006/main" xmlns:r="http://schemas.openxmlformats.org/officeDocument/2006/relationships" xmlns:p="http://schemas.openxmlformats.org/presentationml/2006/main">
+  <p:cSld>
+    <p:spTree>
+      <p:nvGrpSpPr>
+        <p:cNvPr id="1" name=""/>
+        <p:cNvGrpSpPr/>
+        <p:nvPr/>
+      </p:nvGrpSpPr>
+      <p:grpSpPr>
+        <a:xfrm>
+          <a:off x="0" y="0"/>
+          <a:ext cx="0" cy="0"/>
+          <a:chOff x="0" y="0"/>
+          <a:chExt cx="0" cy="0"/>
+        </a:xfrm>
+      </p:grpSpPr>
+      <p:sp>
+        <p:nvSpPr>
+          <p:cNvPr id="2" name="Subtitle 1"/>
+          <p:cNvSpPr>
+            <a:spLocks noGrp="1"/>
+          </p:cNvSpPr>
+          <p:nvPr>
+            <p:ph type="subTitle" idx="1"/>
+          </p:nvPr>
+        </p:nvSpPr>
+        <p:spPr/>
+        <p:txBody>
+          <a:bodyPr/>
+          <a:lstStyle/>
+          <a:p>
+            <a:endParaRPr lang="en-US"/>
+          </a:p>
+        </p:txBody>
+      </p:sp>
+      <p:sp>
+        <p:nvSpPr>
+          <p:cNvPr id="3" name="Title 2"/>
+          <p:cNvSpPr>
+            <a:spLocks noGrp="1"/>
+          </p:cNvSpPr>
+          <p:nvPr>
+            <p:ph type="title"/>
+          </p:nvPr>
+        </p:nvSpPr>
+        <p:spPr/>
+        <p:txBody>
+          <a:bodyPr/>
+          <a:lstStyle/>
+          <a:p>
+            <a:r>
+              <a:rPr lang="en-US" dirty="0" smtClean="0"/>
+              <a:t>“Would love your feedback”</a:t>
+            </a:r>
+            <a:endParaRPr lang="en-US" dirty="0"/>
+          </a:p>
+        </p:txBody>
+      </p:sp>
+      <p:sp>
+        <p:nvSpPr>
+          <p:cNvPr id="4" name="Text Placeholder 3"/>
+          <p:cNvSpPr>
+            <a:spLocks noGrp="1"/>
+          </p:cNvSpPr>
+          <p:nvPr>
+            <p:ph type="body" sz="quarter" idx="13"/>
+          </p:nvPr>
+        </p:nvSpPr>
+        <p:spPr/>
+        <p:txBody>
+          <a:bodyPr/>
+          <a:lstStyle/>
+          <a:p>
+            <a:endParaRPr lang="en-US"/>
+          </a:p>
+        </p:txBody>
+      </p:sp>
+      <p:sp>
+        <p:nvSpPr>
+          <p:cNvPr id="5" name="Footer Placeholder 4"/>
+          <p:cNvSpPr>
+            <a:spLocks noGrp="1"/>
+          </p:cNvSpPr>
+          <p:nvPr>
+            <p:ph type="ftr" sz="quarter" idx="3"/>
+          </p:nvPr>
+        </p:nvSpPr>
+        <p:spPr/>
+        <p:txBody>
+          <a:bodyPr/>
+          <a:lstStyle/>
+          <a:p>
+            <a:fld id="{022636EB-ADE8-A646-A11D-FED0A955D1AA}" type="slidenum">
+              <a:rPr lang="en-US" smtClean="0"/>
+              <a:pPr/>
+              <a:t>36</a:t>
+            </a:fld>
+            <a:endParaRPr lang="en-US" dirty="0"/>
+          </a:p>
+        </p:txBody>
+      </p:sp>
+    </p:spTree>
+    <p:extLst>
+      <p:ext uri="{BB962C8B-B14F-4D97-AF65-F5344CB8AC3E}">
+        <p14:creationId xmlns:p14="http://schemas.microsoft.com/office/powerpoint/2010/main" val="4185270649"/>
+      </p:ext>
+    </p:extLst>
+  </p:cSld>
+  <p:clrMapOvr>
+    <a:masterClrMapping/>
+  </p:clrMapOvr>
+</p:sld>
+</file>
+
+<file path=ppt/slides/slide37.xml><?xml version="1.0" encoding="utf-8"?>
+<p:sld xmlns:a="http://schemas.openxmlformats.org/drawingml/2006/main" xmlns:r="http://schemas.openxmlformats.org/officeDocument/2006/relationships" xmlns:p="http://schemas.openxmlformats.org/presentationml/2006/main">
+  <p:cSld>
+    <p:spTree>
+      <p:nvGrpSpPr>
+        <p:cNvPr id="1" name=""/>
+        <p:cNvGrpSpPr/>
+        <p:nvPr/>
+      </p:nvGrpSpPr>
+      <p:grpSpPr>
+        <a:xfrm>
+          <a:off x="0" y="0"/>
+          <a:ext cx="0" cy="0"/>
+          <a:chOff x="0" y="0"/>
+          <a:chExt cx="0" cy="0"/>
+        </a:xfrm>
+      </p:grpSpPr>
+      <p:sp>
+        <p:nvSpPr>
+          <p:cNvPr id="2" name="Subtitle 1"/>
+          <p:cNvSpPr>
+            <a:spLocks noGrp="1"/>
+          </p:cNvSpPr>
+          <p:nvPr>
+            <p:ph type="subTitle" idx="1"/>
+          </p:nvPr>
+        </p:nvSpPr>
+        <p:spPr/>
+        <p:txBody>
+          <a:bodyPr/>
+          <a:lstStyle/>
+          <a:p>
+            <a:endParaRPr lang="en-US"/>
+          </a:p>
+        </p:txBody>
+      </p:sp>
+      <p:sp>
+        <p:nvSpPr>
+          <p:cNvPr id="3" name="Title 2"/>
+          <p:cNvSpPr>
+            <a:spLocks noGrp="1"/>
+          </p:cNvSpPr>
+          <p:nvPr>
+            <p:ph type="title"/>
+          </p:nvPr>
+        </p:nvSpPr>
+        <p:spPr/>
+        <p:txBody>
+          <a:bodyPr/>
+          <a:lstStyle/>
+          <a:p>
+            <a:r>
+              <a:rPr lang="en-US" dirty="0" smtClean="0"/>
+              <a:t>This is not the Great Subject Famine of the 20-teens!</a:t>
+            </a:r>
+            <a:endParaRPr lang="en-US" dirty="0"/>
+          </a:p>
+        </p:txBody>
+      </p:sp>
+      <p:sp>
+        <p:nvSpPr>
+          <p:cNvPr id="4" name="Text Placeholder 3"/>
+          <p:cNvSpPr>
+            <a:spLocks noGrp="1"/>
+          </p:cNvSpPr>
+          <p:nvPr>
+            <p:ph type="body" sz="quarter" idx="13"/>
+          </p:nvPr>
+        </p:nvSpPr>
+        <p:spPr/>
+        <p:txBody>
+          <a:bodyPr/>
+          <a:lstStyle/>
+          <a:p>
+            <a:endParaRPr lang="en-US"/>
+          </a:p>
+        </p:txBody>
+      </p:sp>
+      <p:sp>
+        <p:nvSpPr>
+          <p:cNvPr id="5" name="Footer Placeholder 4"/>
+          <p:cNvSpPr>
+            <a:spLocks noGrp="1"/>
+          </p:cNvSpPr>
+          <p:nvPr>
+            <p:ph type="ftr" sz="quarter" idx="3"/>
+          </p:nvPr>
+        </p:nvSpPr>
+        <p:spPr/>
+        <p:txBody>
+          <a:bodyPr/>
+          <a:lstStyle/>
+          <a:p>
+            <a:fld id="{022636EB-ADE8-A646-A11D-FED0A955D1AA}" type="slidenum">
+              <a:rPr lang="en-US" smtClean="0"/>
+              <a:pPr/>
+              <a:t>37</a:t>
+            </a:fld>
+            <a:endParaRPr lang="en-US" dirty="0"/>
+          </a:p>
+        </p:txBody>
+      </p:sp>
+    </p:spTree>
+    <p:extLst>
+      <p:ext uri="{BB962C8B-B14F-4D97-AF65-F5344CB8AC3E}">
+        <p14:creationId xmlns:p14="http://schemas.microsoft.com/office/powerpoint/2010/main" val="547599061"/>
+      </p:ext>
+    </p:extLst>
+  </p:cSld>
+  <p:clrMapOvr>
+    <a:masterClrMapping/>
+  </p:clrMapOvr>
+</p:sld>
+</file>
+
+<file path=ppt/slides/slide38.xml><?xml version="1.0" encoding="utf-8"?>
+<p:sld xmlns:a="http://schemas.openxmlformats.org/drawingml/2006/main" xmlns:r="http://schemas.openxmlformats.org/officeDocument/2006/relationships" xmlns:p="http://schemas.openxmlformats.org/presentationml/2006/main">
+  <p:cSld>
+    <p:spTree>
+      <p:nvGrpSpPr>
+        <p:cNvPr id="1" name=""/>
+        <p:cNvGrpSpPr/>
+        <p:nvPr/>
+      </p:nvGrpSpPr>
+      <p:grpSpPr>
+        <a:xfrm>
+          <a:off x="0" y="0"/>
+          <a:ext cx="0" cy="0"/>
+          <a:chOff x="0" y="0"/>
+          <a:chExt cx="0" cy="0"/>
+        </a:xfrm>
+      </p:grpSpPr>
+      <p:sp>
+        <p:nvSpPr>
+          <p:cNvPr id="2" name="Subtitle 1"/>
+          <p:cNvSpPr>
+            <a:spLocks noGrp="1"/>
+          </p:cNvSpPr>
+          <p:nvPr>
+            <p:ph type="subTitle" idx="1"/>
+          </p:nvPr>
+        </p:nvSpPr>
+        <p:spPr/>
+        <p:txBody>
+          <a:bodyPr/>
+          <a:lstStyle/>
+          <a:p>
+            <a:endParaRPr lang="en-US"/>
+          </a:p>
+        </p:txBody>
+      </p:sp>
+      <p:sp>
+        <p:nvSpPr>
+          <p:cNvPr id="3" name="Title 2"/>
+          <p:cNvSpPr>
+            <a:spLocks noGrp="1"/>
+          </p:cNvSpPr>
+          <p:nvPr>
+            <p:ph type="title"/>
+          </p:nvPr>
+        </p:nvSpPr>
+        <p:spPr/>
+        <p:txBody>
+          <a:bodyPr/>
+          <a:lstStyle/>
+          <a:p>
+            <a:r>
+              <a:rPr lang="en-US" dirty="0" smtClean="0"/>
+              <a:t>“I feel like….”</a:t>
+            </a:r>
+            <a:endParaRPr lang="en-US" dirty="0"/>
+          </a:p>
+        </p:txBody>
+      </p:sp>
+      <p:sp>
+        <p:nvSpPr>
+          <p:cNvPr id="4" name="Text Placeholder 3"/>
+          <p:cNvSpPr>
+            <a:spLocks noGrp="1"/>
+          </p:cNvSpPr>
+          <p:nvPr>
+            <p:ph type="body" sz="quarter" idx="13"/>
+          </p:nvPr>
+        </p:nvSpPr>
+        <p:spPr/>
+        <p:txBody>
+          <a:bodyPr/>
+          <a:lstStyle/>
+          <a:p>
+            <a:endParaRPr lang="en-US"/>
+          </a:p>
+        </p:txBody>
+      </p:sp>
+      <p:sp>
+        <p:nvSpPr>
+          <p:cNvPr id="5" name="Footer Placeholder 4"/>
+          <p:cNvSpPr>
+            <a:spLocks noGrp="1"/>
+          </p:cNvSpPr>
+          <p:nvPr>
+            <p:ph type="ftr" sz="quarter" idx="3"/>
+          </p:nvPr>
+        </p:nvSpPr>
+        <p:spPr/>
+        <p:txBody>
+          <a:bodyPr/>
+          <a:lstStyle/>
+          <a:p>
+            <a:fld id="{022636EB-ADE8-A646-A11D-FED0A955D1AA}" type="slidenum">
+              <a:rPr lang="en-US" smtClean="0"/>
+              <a:pPr/>
+              <a:t>38</a:t>
             </a:fld>
             <a:endParaRPr lang="en-US" dirty="0"/>
           </a:p>
@@ -11075,7 +11454,7 @@
 </p:sld>
 </file>
 
-<file path=ppt/slides/slide36.xml><?xml version="1.0" encoding="utf-8"?>
+<file path=ppt/slides/slide39.xml><?xml version="1.0" encoding="utf-8"?>
 <p:sld xmlns:a="http://schemas.openxmlformats.org/drawingml/2006/main" xmlns:r="http://schemas.openxmlformats.org/officeDocument/2006/relationships" xmlns:p="http://schemas.openxmlformats.org/presentationml/2006/main">
   <p:cSld>
     <p:spTree>
@@ -11171,7 +11550,7 @@
             <a:fld id="{022636EB-ADE8-A646-A11D-FED0A955D1AA}" type="slidenum">
               <a:rPr lang="en-US" smtClean="0"/>
               <a:pPr/>
-              <a:t>36</a:t>
+              <a:t>39</a:t>
             </a:fld>
             <a:endParaRPr lang="en-US" dirty="0"/>
           </a:p>
@@ -11197,7 +11576,7 @@
 </p:sld>
 </file>
 
-<file path=ppt/slides/slide37.xml><?xml version="1.0" encoding="utf-8"?>
+<file path=ppt/slides/slide4.xml><?xml version="1.0" encoding="utf-8"?>
 <p:sld xmlns:a="http://schemas.openxmlformats.org/drawingml/2006/main" xmlns:r="http://schemas.openxmlformats.org/officeDocument/2006/relationships" xmlns:p="http://schemas.openxmlformats.org/presentationml/2006/main">
   <p:cSld>
     <p:spTree>
@@ -11245,41 +11624,16 @@
         </p:nvSpPr>
         <p:spPr/>
         <p:txBody>
-          <a:bodyPr/>
+          <a:bodyPr>
+            <a:normAutofit fontScale="90000"/>
+          </a:bodyPr>
           <a:lstStyle/>
           <a:p>
             <a:r>
               <a:rPr lang="en-US" dirty="0" smtClean="0"/>
-              <a:t>“</a:t>
-            </a:r>
-            <a:r>
-              <a:rPr lang="en-US" strike="sngStrike" dirty="0" smtClean="0"/>
-              <a:t>I feel like</a:t>
-            </a:r>
-            <a:r>
-              <a:rPr lang="en-US" dirty="0" smtClean="0"/>
-              <a:t> You should probably stop saying that”</a:t>
+              <a:t>Mr. Esher holds court on things you should stop saying and writing such that, if you apply these lessons, you will be a better communicator, speaker, writer, and human</a:t>
             </a:r>
             <a:endParaRPr lang="en-US" dirty="0"/>
-          </a:p>
-        </p:txBody>
-      </p:sp>
-      <p:sp>
-        <p:nvSpPr>
-          <p:cNvPr id="4" name="Text Placeholder 3"/>
-          <p:cNvSpPr>
-            <a:spLocks noGrp="1"/>
-          </p:cNvSpPr>
-          <p:nvPr>
-            <p:ph type="body" sz="quarter" idx="13"/>
-          </p:nvPr>
-        </p:nvSpPr>
-        <p:spPr/>
-        <p:txBody>
-          <a:bodyPr/>
-          <a:lstStyle/>
-          <a:p>
-            <a:endParaRPr lang="en-US"/>
           </a:p>
         </p:txBody>
       </p:sp>
@@ -11301,7 +11655,137 @@
             <a:fld id="{022636EB-ADE8-A646-A11D-FED0A955D1AA}" type="slidenum">
               <a:rPr lang="en-US" smtClean="0"/>
               <a:pPr/>
-              <a:t>37</a:t>
+              <a:t>4</a:t>
+            </a:fld>
+            <a:endParaRPr lang="en-US" dirty="0"/>
+          </a:p>
+        </p:txBody>
+      </p:sp>
+    </p:spTree>
+    <p:extLst>
+      <p:ext uri="{BB962C8B-B14F-4D97-AF65-F5344CB8AC3E}">
+        <p14:creationId xmlns:p14="http://schemas.microsoft.com/office/powerpoint/2010/main" val="2009624087"/>
+      </p:ext>
+    </p:extLst>
+  </p:cSld>
+  <p:clrMapOvr>
+    <a:masterClrMapping/>
+  </p:clrMapOvr>
+  <p:timing>
+    <p:tnLst>
+      <p:par>
+        <p:cTn xmlns:p14="http://schemas.microsoft.com/office/powerpoint/2010/main" id="1" dur="indefinite" restart="never" nodeType="tmRoot"/>
+      </p:par>
+    </p:tnLst>
+  </p:timing>
+</p:sld>
+</file>
+
+<file path=ppt/slides/slide40.xml><?xml version="1.0" encoding="utf-8"?>
+<p:sld xmlns:a="http://schemas.openxmlformats.org/drawingml/2006/main" xmlns:r="http://schemas.openxmlformats.org/officeDocument/2006/relationships" xmlns:p="http://schemas.openxmlformats.org/presentationml/2006/main">
+  <p:cSld>
+    <p:spTree>
+      <p:nvGrpSpPr>
+        <p:cNvPr id="1" name=""/>
+        <p:cNvGrpSpPr/>
+        <p:nvPr/>
+      </p:nvGrpSpPr>
+      <p:grpSpPr>
+        <a:xfrm>
+          <a:off x="0" y="0"/>
+          <a:ext cx="0" cy="0"/>
+          <a:chOff x="0" y="0"/>
+          <a:chExt cx="0" cy="0"/>
+        </a:xfrm>
+      </p:grpSpPr>
+      <p:sp>
+        <p:nvSpPr>
+          <p:cNvPr id="2" name="Subtitle 1"/>
+          <p:cNvSpPr>
+            <a:spLocks noGrp="1"/>
+          </p:cNvSpPr>
+          <p:nvPr>
+            <p:ph type="subTitle" idx="1"/>
+          </p:nvPr>
+        </p:nvSpPr>
+        <p:spPr/>
+        <p:txBody>
+          <a:bodyPr/>
+          <a:lstStyle/>
+          <a:p>
+            <a:endParaRPr lang="en-US"/>
+          </a:p>
+        </p:txBody>
+      </p:sp>
+      <p:sp>
+        <p:nvSpPr>
+          <p:cNvPr id="3" name="Title 2"/>
+          <p:cNvSpPr>
+            <a:spLocks noGrp="1"/>
+          </p:cNvSpPr>
+          <p:nvPr>
+            <p:ph type="title"/>
+          </p:nvPr>
+        </p:nvSpPr>
+        <p:spPr/>
+        <p:txBody>
+          <a:bodyPr/>
+          <a:lstStyle/>
+          <a:p>
+            <a:r>
+              <a:rPr lang="en-US" dirty="0" smtClean="0"/>
+              <a:t>“</a:t>
+            </a:r>
+            <a:r>
+              <a:rPr lang="en-US" strike="sngStrike" dirty="0" smtClean="0"/>
+              <a:t>I feel like</a:t>
+            </a:r>
+            <a:r>
+              <a:rPr lang="en-US" dirty="0" smtClean="0"/>
+              <a:t> You should probably stop saying that”</a:t>
+            </a:r>
+            <a:endParaRPr lang="en-US" dirty="0"/>
+          </a:p>
+        </p:txBody>
+      </p:sp>
+      <p:sp>
+        <p:nvSpPr>
+          <p:cNvPr id="4" name="Text Placeholder 3"/>
+          <p:cNvSpPr>
+            <a:spLocks noGrp="1"/>
+          </p:cNvSpPr>
+          <p:nvPr>
+            <p:ph type="body" sz="quarter" idx="13"/>
+          </p:nvPr>
+        </p:nvSpPr>
+        <p:spPr/>
+        <p:txBody>
+          <a:bodyPr/>
+          <a:lstStyle/>
+          <a:p>
+            <a:endParaRPr lang="en-US"/>
+          </a:p>
+        </p:txBody>
+      </p:sp>
+      <p:sp>
+        <p:nvSpPr>
+          <p:cNvPr id="5" name="Footer Placeholder 4"/>
+          <p:cNvSpPr>
+            <a:spLocks noGrp="1"/>
+          </p:cNvSpPr>
+          <p:nvPr>
+            <p:ph type="ftr" sz="quarter" idx="3"/>
+          </p:nvPr>
+        </p:nvSpPr>
+        <p:spPr/>
+        <p:txBody>
+          <a:bodyPr/>
+          <a:lstStyle/>
+          <a:p>
+            <a:fld id="{022636EB-ADE8-A646-A11D-FED0A955D1AA}" type="slidenum">
+              <a:rPr lang="en-US" smtClean="0"/>
+              <a:pPr/>
+              <a:t>40</a:t>
             </a:fld>
             <a:endParaRPr lang="en-US" dirty="0"/>
           </a:p>
@@ -11327,7 +11811,7 @@
 </p:sld>
 </file>
 
-<file path=ppt/slides/slide38.xml><?xml version="1.0" encoding="utf-8"?>
+<file path=ppt/slides/slide41.xml><?xml version="1.0" encoding="utf-8"?>
 <p:sld xmlns:a="http://schemas.openxmlformats.org/drawingml/2006/main" xmlns:r="http://schemas.openxmlformats.org/officeDocument/2006/relationships" xmlns:p="http://schemas.openxmlformats.org/presentationml/2006/main">
   <p:cSld>
     <p:spTree>
@@ -11423,7 +11907,7 @@
             <a:fld id="{022636EB-ADE8-A646-A11D-FED0A955D1AA}" type="slidenum">
               <a:rPr lang="en-US" smtClean="0"/>
               <a:pPr/>
-              <a:t>38</a:t>
+              <a:t>41</a:t>
             </a:fld>
             <a:endParaRPr lang="en-US" dirty="0"/>
           </a:p>
@@ -11473,7 +11957,7 @@
 </p:sld>
 </file>
 
-<file path=ppt/slides/slide39.xml><?xml version="1.0" encoding="utf-8"?>
+<file path=ppt/slides/slide42.xml><?xml version="1.0" encoding="utf-8"?>
 <p:sld xmlns:a="http://schemas.openxmlformats.org/drawingml/2006/main" xmlns:r="http://schemas.openxmlformats.org/officeDocument/2006/relationships" xmlns:p="http://schemas.openxmlformats.org/presentationml/2006/main">
   <p:cSld>
     <p:spTree>
@@ -11569,7 +12053,7 @@
             <a:fld id="{022636EB-ADE8-A646-A11D-FED0A955D1AA}" type="slidenum">
               <a:rPr lang="en-US" smtClean="0"/>
               <a:pPr/>
-              <a:t>39</a:t>
+              <a:t>42</a:t>
             </a:fld>
             <a:endParaRPr lang="en-US" dirty="0"/>
           </a:p>
@@ -11619,7 +12103,7 @@
 </p:sld>
 </file>
 
-<file path=ppt/slides/slide4.xml><?xml version="1.0" encoding="utf-8"?>
+<file path=ppt/slides/slide43.xml><?xml version="1.0" encoding="utf-8"?>
 <p:sld xmlns:a="http://schemas.openxmlformats.org/drawingml/2006/main" xmlns:r="http://schemas.openxmlformats.org/officeDocument/2006/relationships" xmlns:p="http://schemas.openxmlformats.org/presentationml/2006/main">
   <p:cSld>
     <p:spTree>
@@ -11672,7 +12156,7 @@
           <a:p>
             <a:r>
               <a:rPr lang="en-US" dirty="0" smtClean="0"/>
-              <a:t>Right?</a:t>
+              <a:t>I feel like ”</a:t>
             </a:r>
             <a:endParaRPr lang="en-US" dirty="0"/>
           </a:p>
@@ -11715,129 +12199,7 @@
             <a:fld id="{022636EB-ADE8-A646-A11D-FED0A955D1AA}" type="slidenum">
               <a:rPr lang="en-US" smtClean="0"/>
               <a:pPr/>
-              <a:t>4</a:t>
-            </a:fld>
-            <a:endParaRPr lang="en-US" dirty="0"/>
-          </a:p>
-        </p:txBody>
-      </p:sp>
-    </p:spTree>
-    <p:extLst>
-      <p:ext uri="{BB962C8B-B14F-4D97-AF65-F5344CB8AC3E}">
-        <p14:creationId xmlns:p14="http://schemas.microsoft.com/office/powerpoint/2010/main" val="1913612294"/>
-      </p:ext>
-    </p:extLst>
-  </p:cSld>
-  <p:clrMapOvr>
-    <a:masterClrMapping/>
-  </p:clrMapOvr>
-  <p:timing>
-    <p:tnLst>
-      <p:par>
-        <p:cTn xmlns:p14="http://schemas.microsoft.com/office/powerpoint/2010/main" id="1" dur="indefinite" restart="never" nodeType="tmRoot"/>
-      </p:par>
-    </p:tnLst>
-  </p:timing>
-</p:sld>
-</file>
-
-<file path=ppt/slides/slide40.xml><?xml version="1.0" encoding="utf-8"?>
-<p:sld xmlns:a="http://schemas.openxmlformats.org/drawingml/2006/main" xmlns:r="http://schemas.openxmlformats.org/officeDocument/2006/relationships" xmlns:p="http://schemas.openxmlformats.org/presentationml/2006/main">
-  <p:cSld>
-    <p:spTree>
-      <p:nvGrpSpPr>
-        <p:cNvPr id="1" name=""/>
-        <p:cNvGrpSpPr/>
-        <p:nvPr/>
-      </p:nvGrpSpPr>
-      <p:grpSpPr>
-        <a:xfrm>
-          <a:off x="0" y="0"/>
-          <a:ext cx="0" cy="0"/>
-          <a:chOff x="0" y="0"/>
-          <a:chExt cx="0" cy="0"/>
-        </a:xfrm>
-      </p:grpSpPr>
-      <p:sp>
-        <p:nvSpPr>
-          <p:cNvPr id="2" name="Subtitle 1"/>
-          <p:cNvSpPr>
-            <a:spLocks noGrp="1"/>
-          </p:cNvSpPr>
-          <p:nvPr>
-            <p:ph type="subTitle" idx="1"/>
-          </p:nvPr>
-        </p:nvSpPr>
-        <p:spPr/>
-        <p:txBody>
-          <a:bodyPr/>
-          <a:lstStyle/>
-          <a:p>
-            <a:endParaRPr lang="en-US"/>
-          </a:p>
-        </p:txBody>
-      </p:sp>
-      <p:sp>
-        <p:nvSpPr>
-          <p:cNvPr id="3" name="Title 2"/>
-          <p:cNvSpPr>
-            <a:spLocks noGrp="1"/>
-          </p:cNvSpPr>
-          <p:nvPr>
-            <p:ph type="title"/>
-          </p:nvPr>
-        </p:nvSpPr>
-        <p:spPr/>
-        <p:txBody>
-          <a:bodyPr/>
-          <a:lstStyle/>
-          <a:p>
-            <a:r>
-              <a:rPr lang="en-US" dirty="0" smtClean="0"/>
-              <a:t>I feel like ”</a:t>
-            </a:r>
-            <a:endParaRPr lang="en-US" dirty="0"/>
-          </a:p>
-        </p:txBody>
-      </p:sp>
-      <p:sp>
-        <p:nvSpPr>
-          <p:cNvPr id="4" name="Text Placeholder 3"/>
-          <p:cNvSpPr>
-            <a:spLocks noGrp="1"/>
-          </p:cNvSpPr>
-          <p:nvPr>
-            <p:ph type="body" sz="quarter" idx="13"/>
-          </p:nvPr>
-        </p:nvSpPr>
-        <p:spPr/>
-        <p:txBody>
-          <a:bodyPr/>
-          <a:lstStyle/>
-          <a:p>
-            <a:endParaRPr lang="en-US"/>
-          </a:p>
-        </p:txBody>
-      </p:sp>
-      <p:sp>
-        <p:nvSpPr>
-          <p:cNvPr id="5" name="Footer Placeholder 4"/>
-          <p:cNvSpPr>
-            <a:spLocks noGrp="1"/>
-          </p:cNvSpPr>
-          <p:nvPr>
-            <p:ph type="ftr" sz="quarter" idx="3"/>
-          </p:nvPr>
-        </p:nvSpPr>
-        <p:spPr/>
-        <p:txBody>
-          <a:bodyPr/>
-          <a:lstStyle/>
-          <a:p>
-            <a:fld id="{022636EB-ADE8-A646-A11D-FED0A955D1AA}" type="slidenum">
-              <a:rPr lang="en-US" smtClean="0"/>
-              <a:pPr/>
-              <a:t>40</a:t>
+              <a:t>43</a:t>
             </a:fld>
             <a:endParaRPr lang="en-US" dirty="0"/>
           </a:p>
@@ -11933,23 +12295,16 @@
             <p:ph type="title"/>
           </p:nvPr>
         </p:nvSpPr>
-        <p:spPr>
-          <a:xfrm>
-            <a:off x="3654624" y="2088753"/>
-            <a:ext cx="1697685" cy="1956280"/>
-          </a:xfrm>
-        </p:spPr>
-        <p:txBody>
-          <a:bodyPr>
-            <a:normAutofit/>
-          </a:bodyPr>
-          <a:lstStyle/>
-          <a:p>
-            <a:r>
-              <a:rPr lang="en-US" sz="9600" dirty="0" smtClean="0"/>
-              <a:t>.</a:t>
-            </a:r>
-            <a:endParaRPr lang="en-US" sz="9600" dirty="0"/>
+        <p:spPr/>
+        <p:txBody>
+          <a:bodyPr/>
+          <a:lstStyle/>
+          <a:p>
+            <a:r>
+              <a:rPr lang="en-US" dirty="0" smtClean="0"/>
+              <a:t>Let’s have fun!</a:t>
+            </a:r>
+            <a:endParaRPr lang="en-US" dirty="0"/>
           </a:p>
         </p:txBody>
       </p:sp>
@@ -11999,7 +12354,7 @@
     </p:spTree>
     <p:extLst>
       <p:ext uri="{BB962C8B-B14F-4D97-AF65-F5344CB8AC3E}">
-        <p14:creationId xmlns:p14="http://schemas.microsoft.com/office/powerpoint/2010/main" val="1547246571"/>
+        <p14:creationId xmlns:p14="http://schemas.microsoft.com/office/powerpoint/2010/main" val="1976715010"/>
       </p:ext>
     </p:extLst>
   </p:cSld>
@@ -12062,23 +12417,16 @@
             <p:ph type="title"/>
           </p:nvPr>
         </p:nvSpPr>
-        <p:spPr>
-          <a:xfrm>
-            <a:off x="3654624" y="2088753"/>
-            <a:ext cx="1697685" cy="1956280"/>
-          </a:xfrm>
-        </p:spPr>
-        <p:txBody>
-          <a:bodyPr>
-            <a:normAutofit/>
-          </a:bodyPr>
-          <a:lstStyle/>
-          <a:p>
-            <a:r>
-              <a:rPr lang="en-US" sz="9600" dirty="0" smtClean="0"/>
-              <a:t>,</a:t>
-            </a:r>
-            <a:endParaRPr lang="en-US" sz="9600" dirty="0"/>
+        <p:spPr/>
+        <p:txBody>
+          <a:bodyPr/>
+          <a:lstStyle/>
+          <a:p>
+            <a:r>
+              <a:rPr lang="en-US" dirty="0" smtClean="0"/>
+              <a:t>Right?</a:t>
+            </a:r>
+            <a:endParaRPr lang="en-US" dirty="0"/>
           </a:p>
         </p:txBody>
       </p:sp>
@@ -12128,7 +12476,7 @@
     </p:spTree>
     <p:extLst>
       <p:ext uri="{BB962C8B-B14F-4D97-AF65-F5344CB8AC3E}">
-        <p14:creationId xmlns:p14="http://schemas.microsoft.com/office/powerpoint/2010/main" val="299420334"/>
+        <p14:creationId xmlns:p14="http://schemas.microsoft.com/office/powerpoint/2010/main" val="1913612294"/>
       </p:ext>
     </p:extLst>
   </p:cSld>
@@ -12205,7 +12553,7 @@
           <a:p>
             <a:r>
               <a:rPr lang="en-US" sz="9600" dirty="0" smtClean="0"/>
-              <a:t>;</a:t>
+              <a:t>.</a:t>
             </a:r>
             <a:endParaRPr lang="en-US" sz="9600" dirty="0"/>
           </a:p>
@@ -12257,7 +12605,7 @@
     </p:spTree>
     <p:extLst>
       <p:ext uri="{BB962C8B-B14F-4D97-AF65-F5344CB8AC3E}">
-        <p14:creationId xmlns:p14="http://schemas.microsoft.com/office/powerpoint/2010/main" val="1946597270"/>
+        <p14:creationId xmlns:p14="http://schemas.microsoft.com/office/powerpoint/2010/main" val="1547246571"/>
       </p:ext>
     </p:extLst>
   </p:cSld>
@@ -12334,7 +12682,7 @@
           <a:p>
             <a:r>
               <a:rPr lang="en-US" sz="9600" dirty="0" smtClean="0"/>
-              <a:t>!</a:t>
+              <a:t>,</a:t>
             </a:r>
             <a:endParaRPr lang="en-US" sz="9600" dirty="0"/>
           </a:p>
@@ -12386,7 +12734,7 @@
     </p:spTree>
     <p:extLst>
       <p:ext uri="{BB962C8B-B14F-4D97-AF65-F5344CB8AC3E}">
-        <p14:creationId xmlns:p14="http://schemas.microsoft.com/office/powerpoint/2010/main" val="2703211779"/>
+        <p14:creationId xmlns:p14="http://schemas.microsoft.com/office/powerpoint/2010/main" val="299420334"/>
       </p:ext>
     </p:extLst>
   </p:cSld>
@@ -12463,7 +12811,7 @@
           <a:p>
             <a:r>
               <a:rPr lang="en-US" sz="9600" dirty="0" smtClean="0"/>
-              <a:t>?</a:t>
+              <a:t>;</a:t>
             </a:r>
             <a:endParaRPr lang="en-US" sz="9600" dirty="0"/>
           </a:p>
@@ -12515,7 +12863,7 @@
     </p:spTree>
     <p:extLst>
       <p:ext uri="{BB962C8B-B14F-4D97-AF65-F5344CB8AC3E}">
-        <p14:creationId xmlns:p14="http://schemas.microsoft.com/office/powerpoint/2010/main" val="384393161"/>
+        <p14:creationId xmlns:p14="http://schemas.microsoft.com/office/powerpoint/2010/main" val="1946597270"/>
       </p:ext>
     </p:extLst>
   </p:cSld>
